--- a/presentations/Query 1.pptx
+++ b/presentations/Query 1.pptx
@@ -259,7 +259,7 @@
   </p:defaultTextStyle>
   <p:extLst>
     <p:ext uri="http://customooxmlschemas.google.com/">
-      <go:slidesCustomData xmlns:go="http://customooxmlschemas.google.com/" r:id="rId18" roundtripDataSignature="AMtx7mgh59Bj5WvSnmc+O/hEFnsFJtqRXA=="/>
+      <go:slidesCustomData xmlns:go="http://customooxmlschemas.google.com/" r:id="rId18" roundtripDataSignature="AMtx7mgP++V7uLnrOYYeVNB3YWqzbJ2Y5g=="/>
     </p:ext>
   </p:extLst>
 </p:presentation>
@@ -3540,7 +3540,7 @@
   <p:cSld>
     <p:spTree>
       <p:nvGrpSpPr>
-        <p:cNvPr id="84" name="Shape 84"/>
+        <p:cNvPr id="88" name="Shape 88"/>
         <p:cNvGrpSpPr/>
         <p:nvPr/>
       </p:nvGrpSpPr>
@@ -3554,7 +3554,7 @@
       </p:grpSpPr>
       <p:sp>
         <p:nvSpPr>
-          <p:cNvPr id="85" name="Google Shape;85;p1:notes"/>
+          <p:cNvPr id="89" name="Google Shape;89;p1:notes"/>
           <p:cNvSpPr txBox="1"/>
           <p:nvPr>
             <p:ph idx="1" type="body"/>
@@ -3593,7 +3593,7 @@
       </p:sp>
       <p:sp>
         <p:nvSpPr>
-          <p:cNvPr id="86" name="Google Shape;86;p1:notes"/>
+          <p:cNvPr id="90" name="Google Shape;90;p1:notes"/>
           <p:cNvSpPr/>
           <p:nvPr>
             <p:ph idx="2" type="sldImg"/>
@@ -3639,7 +3639,7 @@
   <p:cSld>
     <p:spTree>
       <p:nvGrpSpPr>
-        <p:cNvPr id="92" name="Shape 92"/>
+        <p:cNvPr id="96" name="Shape 96"/>
         <p:cNvGrpSpPr/>
         <p:nvPr/>
       </p:nvGrpSpPr>
@@ -3653,7 +3653,7 @@
       </p:grpSpPr>
       <p:sp>
         <p:nvSpPr>
-          <p:cNvPr id="93" name="Google Shape;93;p2:notes"/>
+          <p:cNvPr id="97" name="Google Shape;97;p2:notes"/>
           <p:cNvSpPr/>
           <p:nvPr>
             <p:ph idx="2" type="sldImg"/>
@@ -3698,7 +3698,7 @@
       </p:sp>
       <p:sp>
         <p:nvSpPr>
-          <p:cNvPr id="94" name="Google Shape;94;p2:notes"/>
+          <p:cNvPr id="98" name="Google Shape;98;p2:notes"/>
           <p:cNvSpPr txBox="1"/>
           <p:nvPr>
             <p:ph idx="1" type="body"/>
@@ -3762,7 +3762,7 @@
       </p:sp>
       <p:sp>
         <p:nvSpPr>
-          <p:cNvPr id="95" name="Google Shape;95;p2:notes"/>
+          <p:cNvPr id="99" name="Google Shape;99;p2:notes"/>
           <p:cNvSpPr txBox="1"/>
           <p:nvPr>
             <p:ph idx="12" type="sldNum"/>
@@ -3817,7 +3817,7 @@
   <p:cSld>
     <p:spTree>
       <p:nvGrpSpPr>
-        <p:cNvPr id="124" name="Shape 124"/>
+        <p:cNvPr id="128" name="Shape 128"/>
         <p:cNvGrpSpPr/>
         <p:nvPr/>
       </p:nvGrpSpPr>
@@ -3831,7 +3831,7 @@
       </p:grpSpPr>
       <p:sp>
         <p:nvSpPr>
-          <p:cNvPr id="125" name="Google Shape;125;p3:notes"/>
+          <p:cNvPr id="129" name="Google Shape;129;p3:notes"/>
           <p:cNvSpPr txBox="1"/>
           <p:nvPr>
             <p:ph idx="1" type="body"/>
@@ -3870,7 +3870,7 @@
       </p:sp>
       <p:sp>
         <p:nvSpPr>
-          <p:cNvPr id="126" name="Google Shape;126;p3:notes"/>
+          <p:cNvPr id="130" name="Google Shape;130;p3:notes"/>
           <p:cNvSpPr/>
           <p:nvPr>
             <p:ph idx="2" type="sldImg"/>
@@ -3916,7 +3916,7 @@
   <p:cSld>
     <p:spTree>
       <p:nvGrpSpPr>
-        <p:cNvPr id="152" name="Shape 152"/>
+        <p:cNvPr id="156" name="Shape 156"/>
         <p:cNvGrpSpPr/>
         <p:nvPr/>
       </p:nvGrpSpPr>
@@ -3930,7 +3930,7 @@
       </p:grpSpPr>
       <p:sp>
         <p:nvSpPr>
-          <p:cNvPr id="153" name="Google Shape;153;p4:notes"/>
+          <p:cNvPr id="157" name="Google Shape;157;p4:notes"/>
           <p:cNvSpPr txBox="1"/>
           <p:nvPr>
             <p:ph idx="1" type="body"/>
@@ -3969,7 +3969,7 @@
       </p:sp>
       <p:sp>
         <p:nvSpPr>
-          <p:cNvPr id="154" name="Google Shape;154;p4:notes"/>
+          <p:cNvPr id="158" name="Google Shape;158;p4:notes"/>
           <p:cNvSpPr/>
           <p:nvPr>
             <p:ph idx="2" type="sldImg"/>
@@ -4015,7 +4015,7 @@
   <p:cSld>
     <p:spTree>
       <p:nvGrpSpPr>
-        <p:cNvPr id="180" name="Shape 180"/>
+        <p:cNvPr id="184" name="Shape 184"/>
         <p:cNvGrpSpPr/>
         <p:nvPr/>
       </p:nvGrpSpPr>
@@ -4029,7 +4029,7 @@
       </p:grpSpPr>
       <p:sp>
         <p:nvSpPr>
-          <p:cNvPr id="181" name="Google Shape;181;p5:notes"/>
+          <p:cNvPr id="185" name="Google Shape;185;p5:notes"/>
           <p:cNvSpPr/>
           <p:nvPr>
             <p:ph idx="2" type="sldImg"/>
@@ -4074,7 +4074,7 @@
       </p:sp>
       <p:sp>
         <p:nvSpPr>
-          <p:cNvPr id="182" name="Google Shape;182;p5:notes"/>
+          <p:cNvPr id="186" name="Google Shape;186;p5:notes"/>
           <p:cNvSpPr txBox="1"/>
           <p:nvPr>
             <p:ph idx="1" type="body"/>
@@ -4118,7 +4118,7 @@
       </p:sp>
       <p:sp>
         <p:nvSpPr>
-          <p:cNvPr id="183" name="Google Shape;183;p5:notes"/>
+          <p:cNvPr id="187" name="Google Shape;187;p5:notes"/>
           <p:cNvSpPr txBox="1"/>
           <p:nvPr>
             <p:ph idx="12" type="sldNum"/>
@@ -4173,7 +4173,7 @@
   <p:cSld>
     <p:spTree>
       <p:nvGrpSpPr>
-        <p:cNvPr id="193" name="Shape 193"/>
+        <p:cNvPr id="197" name="Shape 197"/>
         <p:cNvGrpSpPr/>
         <p:nvPr/>
       </p:nvGrpSpPr>
@@ -4187,7 +4187,7 @@
       </p:grpSpPr>
       <p:sp>
         <p:nvSpPr>
-          <p:cNvPr id="194" name="Google Shape;194;p6:notes"/>
+          <p:cNvPr id="198" name="Google Shape;198;p6:notes"/>
           <p:cNvSpPr/>
           <p:nvPr>
             <p:ph idx="2" type="sldImg"/>
@@ -4232,7 +4232,7 @@
       </p:sp>
       <p:sp>
         <p:nvSpPr>
-          <p:cNvPr id="195" name="Google Shape;195;p6:notes"/>
+          <p:cNvPr id="199" name="Google Shape;199;p6:notes"/>
           <p:cNvSpPr txBox="1"/>
           <p:nvPr>
             <p:ph idx="1" type="body"/>
@@ -4276,7 +4276,7 @@
       </p:sp>
       <p:sp>
         <p:nvSpPr>
-          <p:cNvPr id="196" name="Google Shape;196;p6:notes"/>
+          <p:cNvPr id="200" name="Google Shape;200;p6:notes"/>
           <p:cNvSpPr txBox="1"/>
           <p:nvPr>
             <p:ph idx="12" type="sldNum"/>
@@ -4331,7 +4331,7 @@
   <p:cSld>
     <p:spTree>
       <p:nvGrpSpPr>
-        <p:cNvPr id="222" name="Shape 222"/>
+        <p:cNvPr id="226" name="Shape 226"/>
         <p:cNvGrpSpPr/>
         <p:nvPr/>
       </p:nvGrpSpPr>
@@ -4345,7 +4345,7 @@
       </p:grpSpPr>
       <p:sp>
         <p:nvSpPr>
-          <p:cNvPr id="223" name="Google Shape;223;p7:notes"/>
+          <p:cNvPr id="227" name="Google Shape;227;p7:notes"/>
           <p:cNvSpPr/>
           <p:nvPr>
             <p:ph idx="2" type="sldImg"/>
@@ -4390,7 +4390,7 @@
       </p:sp>
       <p:sp>
         <p:nvSpPr>
-          <p:cNvPr id="224" name="Google Shape;224;p7:notes"/>
+          <p:cNvPr id="228" name="Google Shape;228;p7:notes"/>
           <p:cNvSpPr txBox="1"/>
           <p:nvPr>
             <p:ph idx="1" type="body"/>
@@ -4434,7 +4434,7 @@
       </p:sp>
       <p:sp>
         <p:nvSpPr>
-          <p:cNvPr id="225" name="Google Shape;225;p7:notes"/>
+          <p:cNvPr id="229" name="Google Shape;229;p7:notes"/>
           <p:cNvSpPr txBox="1"/>
           <p:nvPr>
             <p:ph idx="12" type="sldNum"/>
@@ -4489,7 +4489,7 @@
   <p:cSld>
     <p:spTree>
       <p:nvGrpSpPr>
-        <p:cNvPr id="230" name="Shape 230"/>
+        <p:cNvPr id="234" name="Shape 234"/>
         <p:cNvGrpSpPr/>
         <p:nvPr/>
       </p:nvGrpSpPr>
@@ -4503,7 +4503,7 @@
       </p:grpSpPr>
       <p:sp>
         <p:nvSpPr>
-          <p:cNvPr id="231" name="Google Shape;231;p8:notes"/>
+          <p:cNvPr id="235" name="Google Shape;235;p8:notes"/>
           <p:cNvSpPr txBox="1"/>
           <p:nvPr>
             <p:ph idx="1" type="body"/>
@@ -4542,7 +4542,7 @@
       </p:sp>
       <p:sp>
         <p:nvSpPr>
-          <p:cNvPr id="232" name="Google Shape;232;p8:notes"/>
+          <p:cNvPr id="236" name="Google Shape;236;p8:notes"/>
           <p:cNvSpPr/>
           <p:nvPr>
             <p:ph idx="2" type="sldImg"/>
@@ -6711,6 +6711,358 @@
 </p:sldLayout>
 </file>
 
+<file path=ppt/slideLayouts/slideLayout12.xml><?xml version="1.0" encoding="utf-8"?>
+<p:sldLayout xmlns:a="http://schemas.openxmlformats.org/drawingml/2006/main" xmlns:r="http://schemas.openxmlformats.org/officeDocument/2006/relationships" xmlns:mc="http://schemas.openxmlformats.org/markup-compatibility/2006" xmlns:mv="urn:schemas-microsoft-com:mac:vml" xmlns:p="http://schemas.openxmlformats.org/presentationml/2006/main" xmlns:c="http://schemas.openxmlformats.org/drawingml/2006/chart" xmlns:dgm="http://schemas.openxmlformats.org/drawingml/2006/diagram" xmlns:o="urn:schemas-microsoft-com:office:office" xmlns:v="urn:schemas-microsoft-com:vml" xmlns:pvml="urn:schemas-microsoft-com:office:powerpoint" xmlns:com="http://schemas.openxmlformats.org/drawingml/2006/compatibility" xmlns:p14="http://schemas.microsoft.com/office/powerpoint/2010/main" xmlns:p15="http://schemas.microsoft.com/office/powerpoint/2012/main" xmlns:ahyp="http://schemas.microsoft.com/office/drawing/2018/hyperlinkcolor" matchingName="Title and body" type="tx">
+  <p:cSld name="TITLE_AND_BODY">
+    <p:spTree>
+      <p:nvGrpSpPr>
+        <p:cNvPr id="84" name="Shape 84"/>
+        <p:cNvGrpSpPr/>
+        <p:nvPr/>
+      </p:nvGrpSpPr>
+      <p:grpSpPr>
+        <a:xfrm>
+          <a:off x="0" y="0"/>
+          <a:ext cx="0" cy="0"/>
+          <a:chOff x="0" y="0"/>
+          <a:chExt cx="0" cy="0"/>
+        </a:xfrm>
+      </p:grpSpPr>
+      <p:sp>
+        <p:nvSpPr>
+          <p:cNvPr id="85" name="Google Shape;85;ga7fa7a96ce_0_78"/>
+          <p:cNvSpPr txBox="1"/>
+          <p:nvPr>
+            <p:ph type="title"/>
+          </p:nvPr>
+        </p:nvSpPr>
+        <p:spPr>
+          <a:xfrm>
+            <a:off x="415600" y="593367"/>
+            <a:ext cx="11360700" cy="763500"/>
+          </a:xfrm>
+          <a:prstGeom prst="rect">
+            <a:avLst/>
+          </a:prstGeom>
+        </p:spPr>
+        <p:txBody>
+          <a:bodyPr anchorCtr="0" anchor="ctr" bIns="45700" lIns="91425" spcFirstLastPara="1" rIns="91425" wrap="square" tIns="45700">
+            <a:noAutofit/>
+          </a:bodyPr>
+          <a:lstStyle>
+            <a:lvl1pPr lvl="0" rtl="0">
+              <a:spcBef>
+                <a:spcPts val="0"/>
+              </a:spcBef>
+              <a:spcAft>
+                <a:spcPts val="0"/>
+              </a:spcAft>
+              <a:buSzPts val="4400"/>
+              <a:buNone/>
+              <a:defRPr/>
+            </a:lvl1pPr>
+            <a:lvl2pPr lvl="1" rtl="0">
+              <a:spcBef>
+                <a:spcPts val="0"/>
+              </a:spcBef>
+              <a:spcAft>
+                <a:spcPts val="0"/>
+              </a:spcAft>
+              <a:buSzPts val="1400"/>
+              <a:buNone/>
+              <a:defRPr/>
+            </a:lvl2pPr>
+            <a:lvl3pPr lvl="2" rtl="0">
+              <a:spcBef>
+                <a:spcPts val="0"/>
+              </a:spcBef>
+              <a:spcAft>
+                <a:spcPts val="0"/>
+              </a:spcAft>
+              <a:buSzPts val="1400"/>
+              <a:buNone/>
+              <a:defRPr/>
+            </a:lvl3pPr>
+            <a:lvl4pPr lvl="3" rtl="0">
+              <a:spcBef>
+                <a:spcPts val="0"/>
+              </a:spcBef>
+              <a:spcAft>
+                <a:spcPts val="0"/>
+              </a:spcAft>
+              <a:buSzPts val="1400"/>
+              <a:buNone/>
+              <a:defRPr/>
+            </a:lvl4pPr>
+            <a:lvl5pPr lvl="4" rtl="0">
+              <a:spcBef>
+                <a:spcPts val="0"/>
+              </a:spcBef>
+              <a:spcAft>
+                <a:spcPts val="0"/>
+              </a:spcAft>
+              <a:buSzPts val="1400"/>
+              <a:buNone/>
+              <a:defRPr/>
+            </a:lvl5pPr>
+            <a:lvl6pPr lvl="5" rtl="0">
+              <a:spcBef>
+                <a:spcPts val="0"/>
+              </a:spcBef>
+              <a:spcAft>
+                <a:spcPts val="0"/>
+              </a:spcAft>
+              <a:buSzPts val="1400"/>
+              <a:buNone/>
+              <a:defRPr/>
+            </a:lvl6pPr>
+            <a:lvl7pPr lvl="6" rtl="0">
+              <a:spcBef>
+                <a:spcPts val="0"/>
+              </a:spcBef>
+              <a:spcAft>
+                <a:spcPts val="0"/>
+              </a:spcAft>
+              <a:buSzPts val="1400"/>
+              <a:buNone/>
+              <a:defRPr/>
+            </a:lvl7pPr>
+            <a:lvl8pPr lvl="7" rtl="0">
+              <a:spcBef>
+                <a:spcPts val="0"/>
+              </a:spcBef>
+              <a:spcAft>
+                <a:spcPts val="0"/>
+              </a:spcAft>
+              <a:buSzPts val="1400"/>
+              <a:buNone/>
+              <a:defRPr/>
+            </a:lvl8pPr>
+            <a:lvl9pPr lvl="8" rtl="0">
+              <a:spcBef>
+                <a:spcPts val="0"/>
+              </a:spcBef>
+              <a:spcAft>
+                <a:spcPts val="0"/>
+              </a:spcAft>
+              <a:buSzPts val="1400"/>
+              <a:buNone/>
+              <a:defRPr/>
+            </a:lvl9pPr>
+          </a:lstStyle>
+          <a:p/>
+        </p:txBody>
+      </p:sp>
+      <p:sp>
+        <p:nvSpPr>
+          <p:cNvPr id="86" name="Google Shape;86;ga7fa7a96ce_0_78"/>
+          <p:cNvSpPr txBox="1"/>
+          <p:nvPr>
+            <p:ph idx="1" type="body"/>
+          </p:nvPr>
+        </p:nvSpPr>
+        <p:spPr>
+          <a:xfrm>
+            <a:off x="415600" y="1536633"/>
+            <a:ext cx="11360700" cy="4555200"/>
+          </a:xfrm>
+          <a:prstGeom prst="rect">
+            <a:avLst/>
+          </a:prstGeom>
+        </p:spPr>
+        <p:txBody>
+          <a:bodyPr anchorCtr="0" anchor="t" bIns="45700" lIns="91425" spcFirstLastPara="1" rIns="91425" wrap="square" tIns="45700">
+            <a:noAutofit/>
+          </a:bodyPr>
+          <a:lstStyle>
+            <a:lvl1pPr indent="-406400" lvl="0" marL="457200" rtl="0">
+              <a:spcBef>
+                <a:spcPts val="1000"/>
+              </a:spcBef>
+              <a:spcAft>
+                <a:spcPts val="0"/>
+              </a:spcAft>
+              <a:buSzPts val="2800"/>
+              <a:buChar char="•"/>
+              <a:defRPr/>
+            </a:lvl1pPr>
+            <a:lvl2pPr indent="-381000" lvl="1" marL="914400" rtl="0">
+              <a:spcBef>
+                <a:spcPts val="500"/>
+              </a:spcBef>
+              <a:spcAft>
+                <a:spcPts val="0"/>
+              </a:spcAft>
+              <a:buSzPts val="2400"/>
+              <a:buChar char="•"/>
+              <a:defRPr/>
+            </a:lvl2pPr>
+            <a:lvl3pPr indent="-355600" lvl="2" marL="1371600" rtl="0">
+              <a:spcBef>
+                <a:spcPts val="500"/>
+              </a:spcBef>
+              <a:spcAft>
+                <a:spcPts val="0"/>
+              </a:spcAft>
+              <a:buSzPts val="2000"/>
+              <a:buChar char="•"/>
+              <a:defRPr/>
+            </a:lvl3pPr>
+            <a:lvl4pPr indent="-342900" lvl="3" marL="1828800" rtl="0">
+              <a:spcBef>
+                <a:spcPts val="500"/>
+              </a:spcBef>
+              <a:spcAft>
+                <a:spcPts val="0"/>
+              </a:spcAft>
+              <a:buSzPts val="1800"/>
+              <a:buChar char="•"/>
+              <a:defRPr/>
+            </a:lvl4pPr>
+            <a:lvl5pPr indent="-342900" lvl="4" marL="2286000" rtl="0">
+              <a:spcBef>
+                <a:spcPts val="500"/>
+              </a:spcBef>
+              <a:spcAft>
+                <a:spcPts val="0"/>
+              </a:spcAft>
+              <a:buSzPts val="1800"/>
+              <a:buChar char="•"/>
+              <a:defRPr/>
+            </a:lvl5pPr>
+            <a:lvl6pPr indent="-342900" lvl="5" marL="2743200" rtl="0">
+              <a:spcBef>
+                <a:spcPts val="500"/>
+              </a:spcBef>
+              <a:spcAft>
+                <a:spcPts val="0"/>
+              </a:spcAft>
+              <a:buSzPts val="1800"/>
+              <a:buChar char="•"/>
+              <a:defRPr/>
+            </a:lvl6pPr>
+            <a:lvl7pPr indent="-342900" lvl="6" marL="3200400" rtl="0">
+              <a:spcBef>
+                <a:spcPts val="500"/>
+              </a:spcBef>
+              <a:spcAft>
+                <a:spcPts val="0"/>
+              </a:spcAft>
+              <a:buSzPts val="1800"/>
+              <a:buChar char="•"/>
+              <a:defRPr/>
+            </a:lvl7pPr>
+            <a:lvl8pPr indent="-342900" lvl="7" marL="3657600" rtl="0">
+              <a:spcBef>
+                <a:spcPts val="500"/>
+              </a:spcBef>
+              <a:spcAft>
+                <a:spcPts val="0"/>
+              </a:spcAft>
+              <a:buSzPts val="1800"/>
+              <a:buChar char="•"/>
+              <a:defRPr/>
+            </a:lvl8pPr>
+            <a:lvl9pPr indent="-342900" lvl="8" marL="4114800" rtl="0">
+              <a:spcBef>
+                <a:spcPts val="500"/>
+              </a:spcBef>
+              <a:spcAft>
+                <a:spcPts val="0"/>
+              </a:spcAft>
+              <a:buSzPts val="1800"/>
+              <a:buChar char="•"/>
+              <a:defRPr/>
+            </a:lvl9pPr>
+          </a:lstStyle>
+          <a:p/>
+        </p:txBody>
+      </p:sp>
+      <p:sp>
+        <p:nvSpPr>
+          <p:cNvPr id="87" name="Google Shape;87;ga7fa7a96ce_0_78"/>
+          <p:cNvSpPr txBox="1"/>
+          <p:nvPr>
+            <p:ph idx="12" type="sldNum"/>
+          </p:nvPr>
+        </p:nvSpPr>
+        <p:spPr>
+          <a:xfrm>
+            <a:off x="11296610" y="6217622"/>
+            <a:ext cx="731700" cy="524700"/>
+          </a:xfrm>
+          <a:prstGeom prst="rect">
+            <a:avLst/>
+          </a:prstGeom>
+        </p:spPr>
+        <p:txBody>
+          <a:bodyPr anchorCtr="0" anchor="ctr" bIns="45700" lIns="91425" spcFirstLastPara="1" rIns="91425" wrap="square" tIns="45700">
+            <a:noAutofit/>
+          </a:bodyPr>
+          <a:lstStyle>
+            <a:lvl1pPr lvl="0" rtl="0">
+              <a:buNone/>
+              <a:defRPr/>
+            </a:lvl1pPr>
+            <a:lvl2pPr lvl="1" rtl="0">
+              <a:buNone/>
+              <a:defRPr/>
+            </a:lvl2pPr>
+            <a:lvl3pPr lvl="2" rtl="0">
+              <a:buNone/>
+              <a:defRPr/>
+            </a:lvl3pPr>
+            <a:lvl4pPr lvl="3" rtl="0">
+              <a:buNone/>
+              <a:defRPr/>
+            </a:lvl4pPr>
+            <a:lvl5pPr lvl="4" rtl="0">
+              <a:buNone/>
+              <a:defRPr/>
+            </a:lvl5pPr>
+            <a:lvl6pPr lvl="5" rtl="0">
+              <a:buNone/>
+              <a:defRPr/>
+            </a:lvl6pPr>
+            <a:lvl7pPr lvl="6" rtl="0">
+              <a:buNone/>
+              <a:defRPr/>
+            </a:lvl7pPr>
+            <a:lvl8pPr lvl="7" rtl="0">
+              <a:buNone/>
+              <a:defRPr/>
+            </a:lvl8pPr>
+            <a:lvl9pPr lvl="8" rtl="0">
+              <a:buNone/>
+              <a:defRPr/>
+            </a:lvl9pPr>
+          </a:lstStyle>
+          <a:p>
+            <a:pPr indent="0" lvl="0" marL="0" rtl="0" algn="r">
+              <a:spcBef>
+                <a:spcPts val="0"/>
+              </a:spcBef>
+              <a:spcAft>
+                <a:spcPts val="0"/>
+              </a:spcAft>
+              <a:buNone/>
+            </a:pPr>
+            <a:fld id="{00000000-1234-1234-1234-123412341234}" type="slidenum">
+              <a:rPr lang="en-US"/>
+              <a:t>‹#›</a:t>
+            </a:fld>
+            <a:endParaRPr/>
+          </a:p>
+        </p:txBody>
+      </p:sp>
+    </p:spTree>
+  </p:cSld>
+  <p:clrMapOvr>
+    <a:masterClrMapping/>
+  </p:clrMapOvr>
+</p:sldLayout>
+</file>
+
 <file path=ppt/slideLayouts/slideLayout2.xml><?xml version="1.0" encoding="utf-8"?>
 <p:sldLayout xmlns:a="http://schemas.openxmlformats.org/drawingml/2006/main" xmlns:r="http://schemas.openxmlformats.org/officeDocument/2006/relationships" xmlns:mc="http://schemas.openxmlformats.org/markup-compatibility/2006" xmlns:mv="urn:schemas-microsoft-com:mac:vml" xmlns:p="http://schemas.openxmlformats.org/presentationml/2006/main" xmlns:c="http://schemas.openxmlformats.org/drawingml/2006/chart" xmlns:dgm="http://schemas.openxmlformats.org/drawingml/2006/diagram" xmlns:o="urn:schemas-microsoft-com:office:office" xmlns:v="urn:schemas-microsoft-com:vml" xmlns:pvml="urn:schemas-microsoft-com:office:powerpoint" xmlns:com="http://schemas.openxmlformats.org/drawingml/2006/compatibility" xmlns:p14="http://schemas.microsoft.com/office/powerpoint/2010/main" xmlns:p15="http://schemas.microsoft.com/office/powerpoint/2012/main" xmlns:ahyp="http://schemas.microsoft.com/office/drawing/2018/hyperlinkcolor" matchingName="Title and Content" type="obj">
   <p:cSld name="OBJECT">
@@ -14129,6 +14481,7 @@
     <p:sldLayoutId id="2147483657" r:id="rId9"/>
     <p:sldLayoutId id="2147483658" r:id="rId10"/>
     <p:sldLayoutId id="2147483659" r:id="rId11"/>
+    <p:sldLayoutId id="2147483660" r:id="rId12"/>
   </p:sldLayoutIdLst>
   <p:hf dt="0" ftr="0" hdr="0" sldNum="0"/>
   <p:txStyles>
@@ -14835,7 +15188,7 @@
     </p:bg>
     <p:spTree>
       <p:nvGrpSpPr>
-        <p:cNvPr id="87" name="Shape 87"/>
+        <p:cNvPr id="91" name="Shape 91"/>
         <p:cNvGrpSpPr/>
         <p:nvPr/>
       </p:nvGrpSpPr>
@@ -14849,7 +15202,7 @@
       </p:grpSpPr>
       <p:sp>
         <p:nvSpPr>
-          <p:cNvPr id="88" name="Google Shape;88;p1"/>
+          <p:cNvPr id="92" name="Google Shape;92;p1"/>
           <p:cNvSpPr/>
           <p:nvPr/>
         </p:nvSpPr>
@@ -14900,7 +15253,7 @@
       </p:sp>
       <p:sp>
         <p:nvSpPr>
-          <p:cNvPr id="89" name="Google Shape;89;p1"/>
+          <p:cNvPr id="93" name="Google Shape;93;p1"/>
           <p:cNvSpPr txBox="1"/>
           <p:nvPr>
             <p:ph type="ctrTitle"/>
@@ -14952,7 +15305,7 @@
       </p:sp>
       <p:sp>
         <p:nvSpPr>
-          <p:cNvPr id="90" name="Google Shape;90;p1"/>
+          <p:cNvPr id="94" name="Google Shape;94;p1"/>
           <p:cNvSpPr txBox="1"/>
           <p:nvPr>
             <p:ph idx="1" type="subTitle"/>
@@ -15003,7 +15356,7 @@
       </p:sp>
       <p:pic>
         <p:nvPicPr>
-          <p:cNvPr id="91" name="Google Shape;91;p1"/>
+          <p:cNvPr id="95" name="Google Shape;95;p1"/>
           <p:cNvPicPr preferRelativeResize="0"/>
           <p:nvPr/>
         </p:nvPicPr>
@@ -15048,7 +15401,7 @@
     </p:bg>
     <p:spTree>
       <p:nvGrpSpPr>
-        <p:cNvPr id="96" name="Shape 96"/>
+        <p:cNvPr id="100" name="Shape 100"/>
         <p:cNvGrpSpPr/>
         <p:nvPr/>
       </p:nvGrpSpPr>
@@ -15062,7 +15415,7 @@
       </p:grpSpPr>
       <p:sp>
         <p:nvSpPr>
-          <p:cNvPr id="97" name="Google Shape;97;p2"/>
+          <p:cNvPr id="101" name="Google Shape;101;p2"/>
           <p:cNvSpPr/>
           <p:nvPr/>
         </p:nvSpPr>
@@ -15113,7 +15466,7 @@
       </p:sp>
       <p:grpSp>
         <p:nvGrpSpPr>
-          <p:cNvPr id="98" name="Google Shape;98;p2"/>
+          <p:cNvPr id="102" name="Google Shape;102;p2"/>
           <p:cNvGrpSpPr/>
           <p:nvPr/>
         </p:nvGrpSpPr>
@@ -15127,7 +15480,7 @@
         </p:grpSpPr>
         <p:sp>
           <p:nvSpPr>
-            <p:cNvPr id="99" name="Google Shape;99;p2"/>
+            <p:cNvPr id="103" name="Google Shape;103;p2"/>
             <p:cNvSpPr/>
             <p:nvPr/>
           </p:nvSpPr>
@@ -15196,7 +15549,7 @@
         </p:sp>
         <p:sp>
           <p:nvSpPr>
-            <p:cNvPr id="100" name="Google Shape;100;p2"/>
+            <p:cNvPr id="104" name="Google Shape;104;p2"/>
             <p:cNvSpPr/>
             <p:nvPr/>
           </p:nvSpPr>
@@ -15265,7 +15618,7 @@
         </p:sp>
         <p:sp>
           <p:nvSpPr>
-            <p:cNvPr id="101" name="Google Shape;101;p2"/>
+            <p:cNvPr id="105" name="Google Shape;105;p2"/>
             <p:cNvSpPr/>
             <p:nvPr/>
           </p:nvSpPr>
@@ -15334,7 +15687,7 @@
         </p:sp>
         <p:sp>
           <p:nvSpPr>
-            <p:cNvPr id="102" name="Google Shape;102;p2"/>
+            <p:cNvPr id="106" name="Google Shape;106;p2"/>
             <p:cNvSpPr/>
             <p:nvPr/>
           </p:nvSpPr>
@@ -15403,7 +15756,7 @@
         </p:sp>
         <p:sp>
           <p:nvSpPr>
-            <p:cNvPr id="103" name="Google Shape;103;p2"/>
+            <p:cNvPr id="107" name="Google Shape;107;p2"/>
             <p:cNvSpPr/>
             <p:nvPr/>
           </p:nvSpPr>
@@ -15472,7 +15825,7 @@
         </p:sp>
         <p:sp>
           <p:nvSpPr>
-            <p:cNvPr id="104" name="Google Shape;104;p2"/>
+            <p:cNvPr id="108" name="Google Shape;108;p2"/>
             <p:cNvSpPr/>
             <p:nvPr/>
           </p:nvSpPr>
@@ -15541,7 +15894,7 @@
         </p:sp>
         <p:sp>
           <p:nvSpPr>
-            <p:cNvPr id="105" name="Google Shape;105;p2"/>
+            <p:cNvPr id="109" name="Google Shape;109;p2"/>
             <p:cNvSpPr/>
             <p:nvPr/>
           </p:nvSpPr>
@@ -15610,7 +15963,7 @@
         </p:sp>
         <p:sp>
           <p:nvSpPr>
-            <p:cNvPr id="106" name="Google Shape;106;p2"/>
+            <p:cNvPr id="110" name="Google Shape;110;p2"/>
             <p:cNvSpPr/>
             <p:nvPr/>
           </p:nvSpPr>
@@ -15679,7 +16032,7 @@
         </p:sp>
         <p:sp>
           <p:nvSpPr>
-            <p:cNvPr id="107" name="Google Shape;107;p2"/>
+            <p:cNvPr id="111" name="Google Shape;111;p2"/>
             <p:cNvSpPr/>
             <p:nvPr/>
           </p:nvSpPr>
@@ -15748,7 +16101,7 @@
         </p:sp>
         <p:sp>
           <p:nvSpPr>
-            <p:cNvPr id="108" name="Google Shape;108;p2"/>
+            <p:cNvPr id="112" name="Google Shape;112;p2"/>
             <p:cNvSpPr/>
             <p:nvPr/>
           </p:nvSpPr>
@@ -15817,7 +16170,7 @@
         </p:sp>
         <p:sp>
           <p:nvSpPr>
-            <p:cNvPr id="109" name="Google Shape;109;p2"/>
+            <p:cNvPr id="113" name="Google Shape;113;p2"/>
             <p:cNvSpPr/>
             <p:nvPr/>
           </p:nvSpPr>
@@ -15886,7 +16239,7 @@
         </p:sp>
         <p:sp>
           <p:nvSpPr>
-            <p:cNvPr id="110" name="Google Shape;110;p2"/>
+            <p:cNvPr id="114" name="Google Shape;114;p2"/>
             <p:cNvSpPr/>
             <p:nvPr/>
           </p:nvSpPr>
@@ -15955,7 +16308,7 @@
         </p:sp>
         <p:sp>
           <p:nvSpPr>
-            <p:cNvPr id="111" name="Google Shape;111;p2"/>
+            <p:cNvPr id="115" name="Google Shape;115;p2"/>
             <p:cNvSpPr/>
             <p:nvPr/>
           </p:nvSpPr>
@@ -16024,7 +16377,7 @@
         </p:sp>
         <p:sp>
           <p:nvSpPr>
-            <p:cNvPr id="112" name="Google Shape;112;p2"/>
+            <p:cNvPr id="116" name="Google Shape;116;p2"/>
             <p:cNvSpPr/>
             <p:nvPr/>
           </p:nvSpPr>
@@ -16093,7 +16446,7 @@
         </p:sp>
         <p:sp>
           <p:nvSpPr>
-            <p:cNvPr id="113" name="Google Shape;113;p2"/>
+            <p:cNvPr id="117" name="Google Shape;117;p2"/>
             <p:cNvSpPr/>
             <p:nvPr/>
           </p:nvSpPr>
@@ -16162,7 +16515,7 @@
         </p:sp>
         <p:sp>
           <p:nvSpPr>
-            <p:cNvPr id="114" name="Google Shape;114;p2"/>
+            <p:cNvPr id="118" name="Google Shape;118;p2"/>
             <p:cNvSpPr/>
             <p:nvPr/>
           </p:nvSpPr>
@@ -16231,7 +16584,7 @@
         </p:sp>
         <p:sp>
           <p:nvSpPr>
-            <p:cNvPr id="115" name="Google Shape;115;p2"/>
+            <p:cNvPr id="119" name="Google Shape;119;p2"/>
             <p:cNvSpPr/>
             <p:nvPr/>
           </p:nvSpPr>
@@ -16300,7 +16653,7 @@
         </p:sp>
         <p:sp>
           <p:nvSpPr>
-            <p:cNvPr id="116" name="Google Shape;116;p2"/>
+            <p:cNvPr id="120" name="Google Shape;120;p2"/>
             <p:cNvSpPr/>
             <p:nvPr/>
           </p:nvSpPr>
@@ -16369,7 +16722,7 @@
         </p:sp>
         <p:sp>
           <p:nvSpPr>
-            <p:cNvPr id="117" name="Google Shape;117;p2"/>
+            <p:cNvPr id="121" name="Google Shape;121;p2"/>
             <p:cNvSpPr/>
             <p:nvPr/>
           </p:nvSpPr>
@@ -16438,7 +16791,7 @@
         </p:sp>
         <p:sp>
           <p:nvSpPr>
-            <p:cNvPr id="118" name="Google Shape;118;p2"/>
+            <p:cNvPr id="122" name="Google Shape;122;p2"/>
             <p:cNvSpPr/>
             <p:nvPr/>
           </p:nvSpPr>
@@ -16507,7 +16860,7 @@
         </p:sp>
         <p:sp>
           <p:nvSpPr>
-            <p:cNvPr id="119" name="Google Shape;119;p2"/>
+            <p:cNvPr id="123" name="Google Shape;123;p2"/>
             <p:cNvSpPr/>
             <p:nvPr/>
           </p:nvSpPr>
@@ -16577,7 +16930,7 @@
       </p:grpSp>
       <p:sp>
         <p:nvSpPr>
-          <p:cNvPr id="120" name="Google Shape;120;p2"/>
+          <p:cNvPr id="124" name="Google Shape;124;p2"/>
           <p:cNvSpPr txBox="1"/>
           <p:nvPr>
             <p:ph type="title"/>
@@ -16585,8 +16938,8 @@
         </p:nvSpPr>
         <p:spPr>
           <a:xfrm>
-            <a:off x="904877" y="795527"/>
-            <a:ext cx="10488547" cy="1190912"/>
+            <a:off x="937027" y="727052"/>
+            <a:ext cx="10488600" cy="1191000"/>
           </a:xfrm>
           <a:prstGeom prst="rect">
             <a:avLst/>
@@ -16629,7 +16982,7 @@
       </p:sp>
       <p:sp>
         <p:nvSpPr>
-          <p:cNvPr id="121" name="Google Shape;121;p2"/>
+          <p:cNvPr id="125" name="Google Shape;125;p2"/>
           <p:cNvSpPr/>
           <p:nvPr/>
         </p:nvSpPr>
@@ -16686,7 +17039,7 @@
       </p:sp>
       <p:pic>
         <p:nvPicPr>
-          <p:cNvPr descr="Bar Graph with Upward Trend" id="122" name="Google Shape;122;p2"/>
+          <p:cNvPr descr="Bar Graph with Upward Trend" id="126" name="Google Shape;126;p2"/>
           <p:cNvPicPr preferRelativeResize="0"/>
           <p:nvPr/>
         </p:nvPicPr>
@@ -16713,7 +17066,7 @@
       </p:pic>
       <p:sp>
         <p:nvSpPr>
-          <p:cNvPr id="123" name="Google Shape;123;p2"/>
+          <p:cNvPr id="127" name="Google Shape;127;p2"/>
           <p:cNvSpPr txBox="1"/>
           <p:nvPr>
             <p:ph idx="1" type="body"/>
@@ -16815,7 +17168,7 @@
     </p:bg>
     <p:spTree>
       <p:nvGrpSpPr>
-        <p:cNvPr id="127" name="Shape 127"/>
+        <p:cNvPr id="131" name="Shape 131"/>
         <p:cNvGrpSpPr/>
         <p:nvPr/>
       </p:nvGrpSpPr>
@@ -16829,7 +17182,7 @@
       </p:grpSpPr>
       <p:grpSp>
         <p:nvGrpSpPr>
-          <p:cNvPr id="128" name="Google Shape;128;p3"/>
+          <p:cNvPr id="132" name="Google Shape;132;p3"/>
           <p:cNvGrpSpPr/>
           <p:nvPr/>
         </p:nvGrpSpPr>
@@ -16843,7 +17196,7 @@
         </p:grpSpPr>
         <p:sp>
           <p:nvSpPr>
-            <p:cNvPr id="129" name="Google Shape;129;p3"/>
+            <p:cNvPr id="133" name="Google Shape;133;p3"/>
             <p:cNvSpPr/>
             <p:nvPr/>
           </p:nvSpPr>
@@ -16912,7 +17265,7 @@
         </p:sp>
         <p:sp>
           <p:nvSpPr>
-            <p:cNvPr id="130" name="Google Shape;130;p3"/>
+            <p:cNvPr id="134" name="Google Shape;134;p3"/>
             <p:cNvSpPr/>
             <p:nvPr/>
           </p:nvSpPr>
@@ -16973,7 +17326,7 @@
         </p:sp>
         <p:sp>
           <p:nvSpPr>
-            <p:cNvPr id="131" name="Google Shape;131;p3"/>
+            <p:cNvPr id="135" name="Google Shape;135;p3"/>
             <p:cNvSpPr/>
             <p:nvPr/>
           </p:nvSpPr>
@@ -17034,7 +17387,7 @@
         </p:sp>
         <p:sp>
           <p:nvSpPr>
-            <p:cNvPr id="132" name="Google Shape;132;p3"/>
+            <p:cNvPr id="136" name="Google Shape;136;p3"/>
             <p:cNvSpPr/>
             <p:nvPr/>
           </p:nvSpPr>
@@ -17095,7 +17448,7 @@
         </p:sp>
         <p:sp>
           <p:nvSpPr>
-            <p:cNvPr id="133" name="Google Shape;133;p3"/>
+            <p:cNvPr id="137" name="Google Shape;137;p3"/>
             <p:cNvSpPr/>
             <p:nvPr/>
           </p:nvSpPr>
@@ -17156,7 +17509,7 @@
         </p:sp>
         <p:sp>
           <p:nvSpPr>
-            <p:cNvPr id="134" name="Google Shape;134;p3"/>
+            <p:cNvPr id="138" name="Google Shape;138;p3"/>
             <p:cNvSpPr/>
             <p:nvPr/>
           </p:nvSpPr>
@@ -17217,7 +17570,7 @@
         </p:sp>
         <p:sp>
           <p:nvSpPr>
-            <p:cNvPr id="135" name="Google Shape;135;p3"/>
+            <p:cNvPr id="139" name="Google Shape;139;p3"/>
             <p:cNvSpPr/>
             <p:nvPr/>
           </p:nvSpPr>
@@ -17278,7 +17631,7 @@
         </p:sp>
         <p:sp>
           <p:nvSpPr>
-            <p:cNvPr id="136" name="Google Shape;136;p3"/>
+            <p:cNvPr id="140" name="Google Shape;140;p3"/>
             <p:cNvSpPr/>
             <p:nvPr/>
           </p:nvSpPr>
@@ -17339,7 +17692,7 @@
         </p:sp>
         <p:sp>
           <p:nvSpPr>
-            <p:cNvPr id="137" name="Google Shape;137;p3"/>
+            <p:cNvPr id="141" name="Google Shape;141;p3"/>
             <p:cNvSpPr/>
             <p:nvPr/>
           </p:nvSpPr>
@@ -17400,7 +17753,7 @@
         </p:sp>
         <p:sp>
           <p:nvSpPr>
-            <p:cNvPr id="138" name="Google Shape;138;p3"/>
+            <p:cNvPr id="142" name="Google Shape;142;p3"/>
             <p:cNvSpPr/>
             <p:nvPr/>
           </p:nvSpPr>
@@ -17461,7 +17814,7 @@
         </p:sp>
         <p:sp>
           <p:nvSpPr>
-            <p:cNvPr id="139" name="Google Shape;139;p3"/>
+            <p:cNvPr id="143" name="Google Shape;143;p3"/>
             <p:cNvSpPr/>
             <p:nvPr/>
           </p:nvSpPr>
@@ -17522,7 +17875,7 @@
         </p:sp>
         <p:sp>
           <p:nvSpPr>
-            <p:cNvPr id="140" name="Google Shape;140;p3"/>
+            <p:cNvPr id="144" name="Google Shape;144;p3"/>
             <p:cNvSpPr/>
             <p:nvPr/>
           </p:nvSpPr>
@@ -17583,7 +17936,7 @@
         </p:sp>
         <p:sp>
           <p:nvSpPr>
-            <p:cNvPr id="141" name="Google Shape;141;p3"/>
+            <p:cNvPr id="145" name="Google Shape;145;p3"/>
             <p:cNvSpPr/>
             <p:nvPr/>
           </p:nvSpPr>
@@ -17644,7 +17997,7 @@
         </p:sp>
         <p:sp>
           <p:nvSpPr>
-            <p:cNvPr id="142" name="Google Shape;142;p3"/>
+            <p:cNvPr id="146" name="Google Shape;146;p3"/>
             <p:cNvSpPr/>
             <p:nvPr/>
           </p:nvSpPr>
@@ -17705,7 +18058,7 @@
         </p:sp>
         <p:sp>
           <p:nvSpPr>
-            <p:cNvPr id="143" name="Google Shape;143;p3"/>
+            <p:cNvPr id="147" name="Google Shape;147;p3"/>
             <p:cNvSpPr/>
             <p:nvPr/>
           </p:nvSpPr>
@@ -17766,7 +18119,7 @@
         </p:sp>
         <p:sp>
           <p:nvSpPr>
-            <p:cNvPr id="144" name="Google Shape;144;p3"/>
+            <p:cNvPr id="148" name="Google Shape;148;p3"/>
             <p:cNvSpPr/>
             <p:nvPr/>
           </p:nvSpPr>
@@ -17827,7 +18180,7 @@
         </p:sp>
         <p:sp>
           <p:nvSpPr>
-            <p:cNvPr id="145" name="Google Shape;145;p3"/>
+            <p:cNvPr id="149" name="Google Shape;149;p3"/>
             <p:cNvSpPr/>
             <p:nvPr/>
           </p:nvSpPr>
@@ -17888,7 +18241,7 @@
         </p:sp>
         <p:sp>
           <p:nvSpPr>
-            <p:cNvPr id="146" name="Google Shape;146;p3"/>
+            <p:cNvPr id="150" name="Google Shape;150;p3"/>
             <p:cNvSpPr/>
             <p:nvPr/>
           </p:nvSpPr>
@@ -17949,7 +18302,7 @@
         </p:sp>
         <p:sp>
           <p:nvSpPr>
-            <p:cNvPr id="147" name="Google Shape;147;p3"/>
+            <p:cNvPr id="151" name="Google Shape;151;p3"/>
             <p:cNvSpPr/>
             <p:nvPr/>
           </p:nvSpPr>
@@ -18010,7 +18363,7 @@
         </p:sp>
         <p:sp>
           <p:nvSpPr>
-            <p:cNvPr id="148" name="Google Shape;148;p3"/>
+            <p:cNvPr id="152" name="Google Shape;152;p3"/>
             <p:cNvSpPr/>
             <p:nvPr/>
           </p:nvSpPr>
@@ -18071,7 +18424,7 @@
         </p:sp>
         <p:sp>
           <p:nvSpPr>
-            <p:cNvPr id="149" name="Google Shape;149;p3"/>
+            <p:cNvPr id="153" name="Google Shape;153;p3"/>
             <p:cNvSpPr/>
             <p:nvPr/>
           </p:nvSpPr>
@@ -18133,7 +18486,7 @@
       </p:grpSp>
       <p:sp>
         <p:nvSpPr>
-          <p:cNvPr id="150" name="Google Shape;150;p3"/>
+          <p:cNvPr id="154" name="Google Shape;154;p3"/>
           <p:cNvSpPr txBox="1"/>
           <p:nvPr>
             <p:ph type="title"/>
@@ -18185,7 +18538,7 @@
       </p:sp>
       <p:sp>
         <p:nvSpPr>
-          <p:cNvPr id="151" name="Google Shape;151;p3"/>
+          <p:cNvPr id="155" name="Google Shape;155;p3"/>
           <p:cNvSpPr txBox="1"/>
           <p:nvPr>
             <p:ph idx="1" type="body"/>
@@ -18393,7 +18746,7 @@
     </p:bg>
     <p:spTree>
       <p:nvGrpSpPr>
-        <p:cNvPr id="155" name="Shape 155"/>
+        <p:cNvPr id="159" name="Shape 159"/>
         <p:cNvGrpSpPr/>
         <p:nvPr/>
       </p:nvGrpSpPr>
@@ -18407,7 +18760,7 @@
       </p:grpSpPr>
       <p:grpSp>
         <p:nvGrpSpPr>
-          <p:cNvPr id="156" name="Google Shape;156;p4"/>
+          <p:cNvPr id="160" name="Google Shape;160;p4"/>
           <p:cNvGrpSpPr/>
           <p:nvPr/>
         </p:nvGrpSpPr>
@@ -18421,7 +18774,7 @@
         </p:grpSpPr>
         <p:sp>
           <p:nvSpPr>
-            <p:cNvPr id="157" name="Google Shape;157;p4"/>
+            <p:cNvPr id="161" name="Google Shape;161;p4"/>
             <p:cNvSpPr/>
             <p:nvPr/>
           </p:nvSpPr>
@@ -18490,7 +18843,7 @@
         </p:sp>
         <p:sp>
           <p:nvSpPr>
-            <p:cNvPr id="158" name="Google Shape;158;p4"/>
+            <p:cNvPr id="162" name="Google Shape;162;p4"/>
             <p:cNvSpPr/>
             <p:nvPr/>
           </p:nvSpPr>
@@ -18551,7 +18904,7 @@
         </p:sp>
         <p:sp>
           <p:nvSpPr>
-            <p:cNvPr id="159" name="Google Shape;159;p4"/>
+            <p:cNvPr id="163" name="Google Shape;163;p4"/>
             <p:cNvSpPr/>
             <p:nvPr/>
           </p:nvSpPr>
@@ -18612,7 +18965,7 @@
         </p:sp>
         <p:sp>
           <p:nvSpPr>
-            <p:cNvPr id="160" name="Google Shape;160;p4"/>
+            <p:cNvPr id="164" name="Google Shape;164;p4"/>
             <p:cNvSpPr/>
             <p:nvPr/>
           </p:nvSpPr>
@@ -18673,7 +19026,7 @@
         </p:sp>
         <p:sp>
           <p:nvSpPr>
-            <p:cNvPr id="161" name="Google Shape;161;p4"/>
+            <p:cNvPr id="165" name="Google Shape;165;p4"/>
             <p:cNvSpPr/>
             <p:nvPr/>
           </p:nvSpPr>
@@ -18734,7 +19087,7 @@
         </p:sp>
         <p:sp>
           <p:nvSpPr>
-            <p:cNvPr id="162" name="Google Shape;162;p4"/>
+            <p:cNvPr id="166" name="Google Shape;166;p4"/>
             <p:cNvSpPr/>
             <p:nvPr/>
           </p:nvSpPr>
@@ -18795,7 +19148,7 @@
         </p:sp>
         <p:sp>
           <p:nvSpPr>
-            <p:cNvPr id="163" name="Google Shape;163;p4"/>
+            <p:cNvPr id="167" name="Google Shape;167;p4"/>
             <p:cNvSpPr/>
             <p:nvPr/>
           </p:nvSpPr>
@@ -18856,7 +19209,7 @@
         </p:sp>
         <p:sp>
           <p:nvSpPr>
-            <p:cNvPr id="164" name="Google Shape;164;p4"/>
+            <p:cNvPr id="168" name="Google Shape;168;p4"/>
             <p:cNvSpPr/>
             <p:nvPr/>
           </p:nvSpPr>
@@ -18917,7 +19270,7 @@
         </p:sp>
         <p:sp>
           <p:nvSpPr>
-            <p:cNvPr id="165" name="Google Shape;165;p4"/>
+            <p:cNvPr id="169" name="Google Shape;169;p4"/>
             <p:cNvSpPr/>
             <p:nvPr/>
           </p:nvSpPr>
@@ -18978,7 +19331,7 @@
         </p:sp>
         <p:sp>
           <p:nvSpPr>
-            <p:cNvPr id="166" name="Google Shape;166;p4"/>
+            <p:cNvPr id="170" name="Google Shape;170;p4"/>
             <p:cNvSpPr/>
             <p:nvPr/>
           </p:nvSpPr>
@@ -19039,7 +19392,7 @@
         </p:sp>
         <p:sp>
           <p:nvSpPr>
-            <p:cNvPr id="167" name="Google Shape;167;p4"/>
+            <p:cNvPr id="171" name="Google Shape;171;p4"/>
             <p:cNvSpPr/>
             <p:nvPr/>
           </p:nvSpPr>
@@ -19100,7 +19453,7 @@
         </p:sp>
         <p:sp>
           <p:nvSpPr>
-            <p:cNvPr id="168" name="Google Shape;168;p4"/>
+            <p:cNvPr id="172" name="Google Shape;172;p4"/>
             <p:cNvSpPr/>
             <p:nvPr/>
           </p:nvSpPr>
@@ -19161,7 +19514,7 @@
         </p:sp>
         <p:sp>
           <p:nvSpPr>
-            <p:cNvPr id="169" name="Google Shape;169;p4"/>
+            <p:cNvPr id="173" name="Google Shape;173;p4"/>
             <p:cNvSpPr/>
             <p:nvPr/>
           </p:nvSpPr>
@@ -19222,7 +19575,7 @@
         </p:sp>
         <p:sp>
           <p:nvSpPr>
-            <p:cNvPr id="170" name="Google Shape;170;p4"/>
+            <p:cNvPr id="174" name="Google Shape;174;p4"/>
             <p:cNvSpPr/>
             <p:nvPr/>
           </p:nvSpPr>
@@ -19283,7 +19636,7 @@
         </p:sp>
         <p:sp>
           <p:nvSpPr>
-            <p:cNvPr id="171" name="Google Shape;171;p4"/>
+            <p:cNvPr id="175" name="Google Shape;175;p4"/>
             <p:cNvSpPr/>
             <p:nvPr/>
           </p:nvSpPr>
@@ -19344,7 +19697,7 @@
         </p:sp>
         <p:sp>
           <p:nvSpPr>
-            <p:cNvPr id="172" name="Google Shape;172;p4"/>
+            <p:cNvPr id="176" name="Google Shape;176;p4"/>
             <p:cNvSpPr/>
             <p:nvPr/>
           </p:nvSpPr>
@@ -19405,7 +19758,7 @@
         </p:sp>
         <p:sp>
           <p:nvSpPr>
-            <p:cNvPr id="173" name="Google Shape;173;p4"/>
+            <p:cNvPr id="177" name="Google Shape;177;p4"/>
             <p:cNvSpPr/>
             <p:nvPr/>
           </p:nvSpPr>
@@ -19466,7 +19819,7 @@
         </p:sp>
         <p:sp>
           <p:nvSpPr>
-            <p:cNvPr id="174" name="Google Shape;174;p4"/>
+            <p:cNvPr id="178" name="Google Shape;178;p4"/>
             <p:cNvSpPr/>
             <p:nvPr/>
           </p:nvSpPr>
@@ -19527,7 +19880,7 @@
         </p:sp>
         <p:sp>
           <p:nvSpPr>
-            <p:cNvPr id="175" name="Google Shape;175;p4"/>
+            <p:cNvPr id="179" name="Google Shape;179;p4"/>
             <p:cNvSpPr/>
             <p:nvPr/>
           </p:nvSpPr>
@@ -19588,7 +19941,7 @@
         </p:sp>
         <p:sp>
           <p:nvSpPr>
-            <p:cNvPr id="176" name="Google Shape;176;p4"/>
+            <p:cNvPr id="180" name="Google Shape;180;p4"/>
             <p:cNvSpPr/>
             <p:nvPr/>
           </p:nvSpPr>
@@ -19649,7 +20002,7 @@
         </p:sp>
         <p:sp>
           <p:nvSpPr>
-            <p:cNvPr id="177" name="Google Shape;177;p4"/>
+            <p:cNvPr id="181" name="Google Shape;181;p4"/>
             <p:cNvSpPr/>
             <p:nvPr/>
           </p:nvSpPr>
@@ -19711,7 +20064,7 @@
       </p:grpSp>
       <p:sp>
         <p:nvSpPr>
-          <p:cNvPr id="178" name="Google Shape;178;p4"/>
+          <p:cNvPr id="182" name="Google Shape;182;p4"/>
           <p:cNvSpPr txBox="1"/>
           <p:nvPr>
             <p:ph type="title"/>
@@ -19763,7 +20116,7 @@
       </p:sp>
       <p:sp>
         <p:nvSpPr>
-          <p:cNvPr id="179" name="Google Shape;179;p4"/>
+          <p:cNvPr id="183" name="Google Shape;183;p4"/>
           <p:cNvSpPr txBox="1"/>
           <p:nvPr>
             <p:ph idx="1" type="body"/>
@@ -20004,7 +20357,7 @@
     </p:bg>
     <p:spTree>
       <p:nvGrpSpPr>
-        <p:cNvPr id="184" name="Shape 184"/>
+        <p:cNvPr id="188" name="Shape 188"/>
         <p:cNvGrpSpPr/>
         <p:nvPr/>
       </p:nvGrpSpPr>
@@ -20018,7 +20371,7 @@
       </p:grpSpPr>
       <p:sp>
         <p:nvSpPr>
-          <p:cNvPr id="185" name="Google Shape;185;p5"/>
+          <p:cNvPr id="189" name="Google Shape;189;p5"/>
           <p:cNvSpPr/>
           <p:nvPr/>
         </p:nvSpPr>
@@ -20069,7 +20422,7 @@
       </p:sp>
       <p:sp>
         <p:nvSpPr>
-          <p:cNvPr id="186" name="Google Shape;186;p5"/>
+          <p:cNvPr id="190" name="Google Shape;190;p5"/>
           <p:cNvSpPr/>
           <p:nvPr/>
         </p:nvSpPr>
@@ -20122,7 +20475,7 @@
       </p:sp>
       <p:sp>
         <p:nvSpPr>
-          <p:cNvPr id="187" name="Google Shape;187;p5"/>
+          <p:cNvPr id="191" name="Google Shape;191;p5"/>
           <p:cNvSpPr/>
           <p:nvPr/>
         </p:nvSpPr>
@@ -20192,7 +20545,7 @@
       </p:sp>
       <p:sp>
         <p:nvSpPr>
-          <p:cNvPr id="188" name="Google Shape;188;p5"/>
+          <p:cNvPr id="192" name="Google Shape;192;p5"/>
           <p:cNvSpPr/>
           <p:nvPr/>
         </p:nvSpPr>
@@ -20265,7 +20618,7 @@
       </p:sp>
       <p:sp>
         <p:nvSpPr>
-          <p:cNvPr id="189" name="Google Shape;189;p5"/>
+          <p:cNvPr id="193" name="Google Shape;193;p5"/>
           <p:cNvSpPr/>
           <p:nvPr/>
         </p:nvSpPr>
@@ -20318,7 +20671,7 @@
       </p:sp>
       <p:sp>
         <p:nvSpPr>
-          <p:cNvPr id="190" name="Google Shape;190;p5"/>
+          <p:cNvPr id="194" name="Google Shape;194;p5"/>
           <p:cNvSpPr/>
           <p:nvPr/>
         </p:nvSpPr>
@@ -20373,7 +20726,7 @@
       </p:sp>
       <p:pic>
         <p:nvPicPr>
-          <p:cNvPr descr="A picture containing application&#10;&#10;Description automatically generated" id="191" name="Google Shape;191;p5"/>
+          <p:cNvPr descr="A picture containing application&#10;&#10;Description automatically generated" id="195" name="Google Shape;195;p5"/>
           <p:cNvPicPr preferRelativeResize="0"/>
           <p:nvPr>
             <p:ph idx="1" type="body"/>
@@ -20402,7 +20755,7 @@
       </p:pic>
       <p:sp>
         <p:nvSpPr>
-          <p:cNvPr id="192" name="Google Shape;192;p5"/>
+          <p:cNvPr id="196" name="Google Shape;196;p5"/>
           <p:cNvSpPr/>
           <p:nvPr/>
         </p:nvSpPr>
@@ -20475,7 +20828,7 @@
     </p:bg>
     <p:spTree>
       <p:nvGrpSpPr>
-        <p:cNvPr id="197" name="Shape 197"/>
+        <p:cNvPr id="201" name="Shape 201"/>
         <p:cNvGrpSpPr/>
         <p:nvPr/>
       </p:nvGrpSpPr>
@@ -20489,7 +20842,7 @@
       </p:grpSpPr>
       <p:grpSp>
         <p:nvGrpSpPr>
-          <p:cNvPr id="198" name="Google Shape;198;p6"/>
+          <p:cNvPr id="202" name="Google Shape;202;p6"/>
           <p:cNvGrpSpPr/>
           <p:nvPr/>
         </p:nvGrpSpPr>
@@ -20503,7 +20856,7 @@
         </p:grpSpPr>
         <p:sp>
           <p:nvSpPr>
-            <p:cNvPr id="199" name="Google Shape;199;p6"/>
+            <p:cNvPr id="203" name="Google Shape;203;p6"/>
             <p:cNvSpPr/>
             <p:nvPr/>
           </p:nvSpPr>
@@ -20572,7 +20925,7 @@
         </p:sp>
         <p:sp>
           <p:nvSpPr>
-            <p:cNvPr id="200" name="Google Shape;200;p6"/>
+            <p:cNvPr id="204" name="Google Shape;204;p6"/>
             <p:cNvSpPr/>
             <p:nvPr/>
           </p:nvSpPr>
@@ -20633,7 +20986,7 @@
         </p:sp>
         <p:sp>
           <p:nvSpPr>
-            <p:cNvPr id="201" name="Google Shape;201;p6"/>
+            <p:cNvPr id="205" name="Google Shape;205;p6"/>
             <p:cNvSpPr/>
             <p:nvPr/>
           </p:nvSpPr>
@@ -20694,7 +21047,7 @@
         </p:sp>
         <p:sp>
           <p:nvSpPr>
-            <p:cNvPr id="202" name="Google Shape;202;p6"/>
+            <p:cNvPr id="206" name="Google Shape;206;p6"/>
             <p:cNvSpPr/>
             <p:nvPr/>
           </p:nvSpPr>
@@ -20755,7 +21108,7 @@
         </p:sp>
         <p:sp>
           <p:nvSpPr>
-            <p:cNvPr id="203" name="Google Shape;203;p6"/>
+            <p:cNvPr id="207" name="Google Shape;207;p6"/>
             <p:cNvSpPr/>
             <p:nvPr/>
           </p:nvSpPr>
@@ -20816,7 +21169,7 @@
         </p:sp>
         <p:sp>
           <p:nvSpPr>
-            <p:cNvPr id="204" name="Google Shape;204;p6"/>
+            <p:cNvPr id="208" name="Google Shape;208;p6"/>
             <p:cNvSpPr/>
             <p:nvPr/>
           </p:nvSpPr>
@@ -20877,7 +21230,7 @@
         </p:sp>
         <p:sp>
           <p:nvSpPr>
-            <p:cNvPr id="205" name="Google Shape;205;p6"/>
+            <p:cNvPr id="209" name="Google Shape;209;p6"/>
             <p:cNvSpPr/>
             <p:nvPr/>
           </p:nvSpPr>
@@ -20938,7 +21291,7 @@
         </p:sp>
         <p:sp>
           <p:nvSpPr>
-            <p:cNvPr id="206" name="Google Shape;206;p6"/>
+            <p:cNvPr id="210" name="Google Shape;210;p6"/>
             <p:cNvSpPr/>
             <p:nvPr/>
           </p:nvSpPr>
@@ -20999,7 +21352,7 @@
         </p:sp>
         <p:sp>
           <p:nvSpPr>
-            <p:cNvPr id="207" name="Google Shape;207;p6"/>
+            <p:cNvPr id="211" name="Google Shape;211;p6"/>
             <p:cNvSpPr/>
             <p:nvPr/>
           </p:nvSpPr>
@@ -21060,7 +21413,7 @@
         </p:sp>
         <p:sp>
           <p:nvSpPr>
-            <p:cNvPr id="208" name="Google Shape;208;p6"/>
+            <p:cNvPr id="212" name="Google Shape;212;p6"/>
             <p:cNvSpPr/>
             <p:nvPr/>
           </p:nvSpPr>
@@ -21121,7 +21474,7 @@
         </p:sp>
         <p:sp>
           <p:nvSpPr>
-            <p:cNvPr id="209" name="Google Shape;209;p6"/>
+            <p:cNvPr id="213" name="Google Shape;213;p6"/>
             <p:cNvSpPr/>
             <p:nvPr/>
           </p:nvSpPr>
@@ -21182,7 +21535,7 @@
         </p:sp>
         <p:sp>
           <p:nvSpPr>
-            <p:cNvPr id="210" name="Google Shape;210;p6"/>
+            <p:cNvPr id="214" name="Google Shape;214;p6"/>
             <p:cNvSpPr/>
             <p:nvPr/>
           </p:nvSpPr>
@@ -21243,7 +21596,7 @@
         </p:sp>
         <p:sp>
           <p:nvSpPr>
-            <p:cNvPr id="211" name="Google Shape;211;p6"/>
+            <p:cNvPr id="215" name="Google Shape;215;p6"/>
             <p:cNvSpPr/>
             <p:nvPr/>
           </p:nvSpPr>
@@ -21304,7 +21657,7 @@
         </p:sp>
         <p:sp>
           <p:nvSpPr>
-            <p:cNvPr id="212" name="Google Shape;212;p6"/>
+            <p:cNvPr id="216" name="Google Shape;216;p6"/>
             <p:cNvSpPr/>
             <p:nvPr/>
           </p:nvSpPr>
@@ -21365,7 +21718,7 @@
         </p:sp>
         <p:sp>
           <p:nvSpPr>
-            <p:cNvPr id="213" name="Google Shape;213;p6"/>
+            <p:cNvPr id="217" name="Google Shape;217;p6"/>
             <p:cNvSpPr/>
             <p:nvPr/>
           </p:nvSpPr>
@@ -21426,7 +21779,7 @@
         </p:sp>
         <p:sp>
           <p:nvSpPr>
-            <p:cNvPr id="214" name="Google Shape;214;p6"/>
+            <p:cNvPr id="218" name="Google Shape;218;p6"/>
             <p:cNvSpPr/>
             <p:nvPr/>
           </p:nvSpPr>
@@ -21487,7 +21840,7 @@
         </p:sp>
         <p:sp>
           <p:nvSpPr>
-            <p:cNvPr id="215" name="Google Shape;215;p6"/>
+            <p:cNvPr id="219" name="Google Shape;219;p6"/>
             <p:cNvSpPr/>
             <p:nvPr/>
           </p:nvSpPr>
@@ -21548,7 +21901,7 @@
         </p:sp>
         <p:sp>
           <p:nvSpPr>
-            <p:cNvPr id="216" name="Google Shape;216;p6"/>
+            <p:cNvPr id="220" name="Google Shape;220;p6"/>
             <p:cNvSpPr/>
             <p:nvPr/>
           </p:nvSpPr>
@@ -21609,7 +21962,7 @@
         </p:sp>
         <p:sp>
           <p:nvSpPr>
-            <p:cNvPr id="217" name="Google Shape;217;p6"/>
+            <p:cNvPr id="221" name="Google Shape;221;p6"/>
             <p:cNvSpPr/>
             <p:nvPr/>
           </p:nvSpPr>
@@ -21670,7 +22023,7 @@
         </p:sp>
         <p:sp>
           <p:nvSpPr>
-            <p:cNvPr id="218" name="Google Shape;218;p6"/>
+            <p:cNvPr id="222" name="Google Shape;222;p6"/>
             <p:cNvSpPr/>
             <p:nvPr/>
           </p:nvSpPr>
@@ -21731,7 +22084,7 @@
         </p:sp>
         <p:sp>
           <p:nvSpPr>
-            <p:cNvPr id="219" name="Google Shape;219;p6"/>
+            <p:cNvPr id="223" name="Google Shape;223;p6"/>
             <p:cNvSpPr/>
             <p:nvPr/>
           </p:nvSpPr>
@@ -21793,7 +22146,7 @@
       </p:grpSp>
       <p:sp>
         <p:nvSpPr>
-          <p:cNvPr id="220" name="Google Shape;220;p6"/>
+          <p:cNvPr id="224" name="Google Shape;224;p6"/>
           <p:cNvSpPr txBox="1"/>
           <p:nvPr>
             <p:ph type="title"/>
@@ -21845,7 +22198,7 @@
       </p:sp>
       <p:sp>
         <p:nvSpPr>
-          <p:cNvPr id="221" name="Google Shape;221;p6"/>
+          <p:cNvPr id="225" name="Google Shape;225;p6"/>
           <p:cNvSpPr txBox="1"/>
           <p:nvPr>
             <p:ph idx="1" type="body"/>
@@ -22144,7 +22497,7 @@
     </p:bg>
     <p:spTree>
       <p:nvGrpSpPr>
-        <p:cNvPr id="226" name="Shape 226"/>
+        <p:cNvPr id="230" name="Shape 230"/>
         <p:cNvGrpSpPr/>
         <p:nvPr/>
       </p:nvGrpSpPr>
@@ -22158,7 +22511,7 @@
       </p:grpSpPr>
       <p:sp>
         <p:nvSpPr>
-          <p:cNvPr id="227" name="Google Shape;227;p7"/>
+          <p:cNvPr id="231" name="Google Shape;231;p7"/>
           <p:cNvSpPr/>
           <p:nvPr/>
         </p:nvSpPr>
@@ -22207,7 +22560,7 @@
       </p:sp>
       <p:graphicFrame>
         <p:nvGraphicFramePr>
-          <p:cNvPr id="228" name="Google Shape;228;p7"/>
+          <p:cNvPr id="232" name="Google Shape;232;p7"/>
           <p:cNvGraphicFramePr/>
           <p:nvPr/>
         </p:nvGraphicFramePr>
@@ -22220,7 +22573,7 @@
             <a:tbl>
               <a:tblPr firstRow="1">
                 <a:noFill/>
-                <a:tableStyleId>{900F1F53-C956-49C6-830B-837FF1EBEB4C}</a:tableStyleId>
+                <a:tableStyleId>{88B44F71-3248-4DA2-A345-D9BDC79EFAE1}</a:tableStyleId>
               </a:tblPr>
               <a:tblGrid>
                 <a:gridCol w="4493650"/>
@@ -23320,7 +23673,7 @@
       </p:graphicFrame>
       <p:graphicFrame>
         <p:nvGraphicFramePr>
-          <p:cNvPr id="229" name="Google Shape;229;p7"/>
+          <p:cNvPr id="233" name="Google Shape;233;p7"/>
           <p:cNvGraphicFramePr/>
           <p:nvPr/>
         </p:nvGraphicFramePr>
@@ -23354,7 +23707,7 @@
     </p:bg>
     <p:spTree>
       <p:nvGrpSpPr>
-        <p:cNvPr id="233" name="Shape 233"/>
+        <p:cNvPr id="237" name="Shape 237"/>
         <p:cNvGrpSpPr/>
         <p:nvPr/>
       </p:nvGrpSpPr>
@@ -23368,7 +23721,7 @@
       </p:grpSpPr>
       <p:sp>
         <p:nvSpPr>
-          <p:cNvPr id="234" name="Google Shape;234;p8"/>
+          <p:cNvPr id="238" name="Google Shape;238;p8"/>
           <p:cNvSpPr/>
           <p:nvPr/>
         </p:nvSpPr>
@@ -23419,7 +23772,7 @@
       </p:sp>
       <p:sp>
         <p:nvSpPr>
-          <p:cNvPr id="235" name="Google Shape;235;p8"/>
+          <p:cNvPr id="239" name="Google Shape;239;p8"/>
           <p:cNvSpPr txBox="1"/>
           <p:nvPr>
             <p:ph type="title"/>
@@ -23471,7 +23824,7 @@
       </p:sp>
       <p:sp>
         <p:nvSpPr>
-          <p:cNvPr id="236" name="Google Shape;236;p8"/>
+          <p:cNvPr id="240" name="Google Shape;240;p8"/>
           <p:cNvSpPr/>
           <p:nvPr/>
         </p:nvSpPr>
@@ -23522,7 +23875,7 @@
       </p:sp>
       <p:sp>
         <p:nvSpPr>
-          <p:cNvPr id="237" name="Google Shape;237;p8"/>
+          <p:cNvPr id="241" name="Google Shape;241;p8"/>
           <p:cNvSpPr/>
           <p:nvPr/>
         </p:nvSpPr>
@@ -23573,7 +23926,7 @@
       </p:sp>
       <p:graphicFrame>
         <p:nvGraphicFramePr>
-          <p:cNvPr id="238" name="Google Shape;238;p8"/>
+          <p:cNvPr id="242" name="Google Shape;242;p8"/>
           <p:cNvGraphicFramePr/>
           <p:nvPr/>
         </p:nvGraphicFramePr>
